--- a/ppt 16-9/0671.以爱为旗.pptx
+++ b/ppt 16-9/0671.以爱为旗.pptx
@@ -129,7 +129,7 @@
           <p:cNvPr id="2" name="标题 1">
             <a:extLst>
               <a:ext uri="{FF2B5EF4-FFF2-40B4-BE49-F238E27FC236}">
-                <a16:creationId xmlns:a16="http://schemas.microsoft.com/office/drawing/2014/main" id="{C03A809F-4B45-5648-E9E3-6A9D4AAA0D84}"/>
+                <a16:creationId xmlns:a16="http://schemas.microsoft.com/office/drawing/2014/main" id="{88ABB2B0-FB70-CB46-3792-BC8DB32C183F}"/>
               </a:ext>
             </a:extLst>
           </p:cNvPr>
@@ -166,7 +166,7 @@
           <p:cNvPr id="3" name="副标题 2">
             <a:extLst>
               <a:ext uri="{FF2B5EF4-FFF2-40B4-BE49-F238E27FC236}">
-                <a16:creationId xmlns:a16="http://schemas.microsoft.com/office/drawing/2014/main" id="{D013C303-36CD-4824-5498-9E04626F41A2}"/>
+                <a16:creationId xmlns:a16="http://schemas.microsoft.com/office/drawing/2014/main" id="{5F0239D3-BA6D-D618-D1B9-4733123B5C4B}"/>
               </a:ext>
             </a:extLst>
           </p:cNvPr>
@@ -236,7 +236,7 @@
           <p:cNvPr id="4" name="日期占位符 3">
             <a:extLst>
               <a:ext uri="{FF2B5EF4-FFF2-40B4-BE49-F238E27FC236}">
-                <a16:creationId xmlns:a16="http://schemas.microsoft.com/office/drawing/2014/main" id="{56EA127A-240E-6687-C753-2AD116E8B2DE}"/>
+                <a16:creationId xmlns:a16="http://schemas.microsoft.com/office/drawing/2014/main" id="{D44E28CC-D3FD-1C5F-8620-F6DB32B17E2E}"/>
               </a:ext>
             </a:extLst>
           </p:cNvPr>
@@ -252,7 +252,7 @@
           <a:bodyPr/>
           <a:lstStyle/>
           <a:p>
-            <a:fld id="{0A7383E2-539B-4E83-B63D-D074E822A429}" type="datetimeFigureOut">
+            <a:fld id="{5BF1340C-E761-4E31-A510-9EB425A289B2}" type="datetimeFigureOut">
               <a:rPr lang="zh-CN" altLang="en-US" smtClean="0"/>
               <a:t>2024/3/10</a:t>
             </a:fld>
@@ -265,7 +265,7 @@
           <p:cNvPr id="5" name="页脚占位符 4">
             <a:extLst>
               <a:ext uri="{FF2B5EF4-FFF2-40B4-BE49-F238E27FC236}">
-                <a16:creationId xmlns:a16="http://schemas.microsoft.com/office/drawing/2014/main" id="{0786559A-C667-B8A5-DD42-89CE22CB4E64}"/>
+                <a16:creationId xmlns:a16="http://schemas.microsoft.com/office/drawing/2014/main" id="{B6164CFA-8C17-B05E-194D-42514EB7D0E1}"/>
               </a:ext>
             </a:extLst>
           </p:cNvPr>
@@ -290,7 +290,7 @@
           <p:cNvPr id="6" name="灯片编号占位符 5">
             <a:extLst>
               <a:ext uri="{FF2B5EF4-FFF2-40B4-BE49-F238E27FC236}">
-                <a16:creationId xmlns:a16="http://schemas.microsoft.com/office/drawing/2014/main" id="{FC6D8835-59FA-1896-C50D-5F6F1E4A960B}"/>
+                <a16:creationId xmlns:a16="http://schemas.microsoft.com/office/drawing/2014/main" id="{D90E430A-1486-FCD9-296C-169678704652}"/>
               </a:ext>
             </a:extLst>
           </p:cNvPr>
@@ -306,7 +306,7 @@
           <a:bodyPr/>
           <a:lstStyle/>
           <a:p>
-            <a:fld id="{AD9223FA-DED4-40E7-900E-1D89EBD64089}" type="slidenum">
+            <a:fld id="{5DB3AF71-083B-487A-BB7F-0DE9AC23BF0F}" type="slidenum">
               <a:rPr lang="zh-CN" altLang="en-US" smtClean="0"/>
               <a:t>‹#›</a:t>
             </a:fld>
@@ -317,7 +317,7 @@
     </p:spTree>
     <p:extLst>
       <p:ext uri="{BB962C8B-B14F-4D97-AF65-F5344CB8AC3E}">
-        <p14:creationId xmlns:p14="http://schemas.microsoft.com/office/powerpoint/2010/main" val="536198671"/>
+        <p14:creationId xmlns:p14="http://schemas.microsoft.com/office/powerpoint/2010/main" val="1519235582"/>
       </p:ext>
     </p:extLst>
   </p:cSld>
@@ -349,7 +349,7 @@
           <p:cNvPr id="2" name="标题 1">
             <a:extLst>
               <a:ext uri="{FF2B5EF4-FFF2-40B4-BE49-F238E27FC236}">
-                <a16:creationId xmlns:a16="http://schemas.microsoft.com/office/drawing/2014/main" id="{BD633C66-D02E-E897-6DBF-4A6FE6AA756E}"/>
+                <a16:creationId xmlns:a16="http://schemas.microsoft.com/office/drawing/2014/main" id="{BBA65EE3-4262-97E0-ACD0-8F7083EC47B6}"/>
               </a:ext>
             </a:extLst>
           </p:cNvPr>
@@ -377,7 +377,7 @@
           <p:cNvPr id="3" name="竖排文字占位符 2">
             <a:extLst>
               <a:ext uri="{FF2B5EF4-FFF2-40B4-BE49-F238E27FC236}">
-                <a16:creationId xmlns:a16="http://schemas.microsoft.com/office/drawing/2014/main" id="{E7EFD716-0E43-6813-4638-E8332931545E}"/>
+                <a16:creationId xmlns:a16="http://schemas.microsoft.com/office/drawing/2014/main" id="{9728F3EC-FD2D-391D-5DF2-211C0B366848}"/>
               </a:ext>
             </a:extLst>
           </p:cNvPr>
@@ -434,7 +434,7 @@
           <p:cNvPr id="4" name="日期占位符 3">
             <a:extLst>
               <a:ext uri="{FF2B5EF4-FFF2-40B4-BE49-F238E27FC236}">
-                <a16:creationId xmlns:a16="http://schemas.microsoft.com/office/drawing/2014/main" id="{BCA3A10A-27DC-6D74-E62D-C73E4EEBA5FA}"/>
+                <a16:creationId xmlns:a16="http://schemas.microsoft.com/office/drawing/2014/main" id="{20123CD9-DC0F-125C-57FF-6CA7565C9587}"/>
               </a:ext>
             </a:extLst>
           </p:cNvPr>
@@ -450,7 +450,7 @@
           <a:bodyPr/>
           <a:lstStyle/>
           <a:p>
-            <a:fld id="{0A7383E2-539B-4E83-B63D-D074E822A429}" type="datetimeFigureOut">
+            <a:fld id="{5BF1340C-E761-4E31-A510-9EB425A289B2}" type="datetimeFigureOut">
               <a:rPr lang="zh-CN" altLang="en-US" smtClean="0"/>
               <a:t>2024/3/10</a:t>
             </a:fld>
@@ -463,7 +463,7 @@
           <p:cNvPr id="5" name="页脚占位符 4">
             <a:extLst>
               <a:ext uri="{FF2B5EF4-FFF2-40B4-BE49-F238E27FC236}">
-                <a16:creationId xmlns:a16="http://schemas.microsoft.com/office/drawing/2014/main" id="{51984735-F7E1-20CB-DD58-D73101142B93}"/>
+                <a16:creationId xmlns:a16="http://schemas.microsoft.com/office/drawing/2014/main" id="{958C6D1F-44A3-6BFA-D771-8CBEE9D7B871}"/>
               </a:ext>
             </a:extLst>
           </p:cNvPr>
@@ -488,7 +488,7 @@
           <p:cNvPr id="6" name="灯片编号占位符 5">
             <a:extLst>
               <a:ext uri="{FF2B5EF4-FFF2-40B4-BE49-F238E27FC236}">
-                <a16:creationId xmlns:a16="http://schemas.microsoft.com/office/drawing/2014/main" id="{45DE5326-B584-A281-06F9-8D997B9365E6}"/>
+                <a16:creationId xmlns:a16="http://schemas.microsoft.com/office/drawing/2014/main" id="{E14C127B-8FC9-1CD2-5D08-DFC45E1C7CF1}"/>
               </a:ext>
             </a:extLst>
           </p:cNvPr>
@@ -504,7 +504,7 @@
           <a:bodyPr/>
           <a:lstStyle/>
           <a:p>
-            <a:fld id="{AD9223FA-DED4-40E7-900E-1D89EBD64089}" type="slidenum">
+            <a:fld id="{5DB3AF71-083B-487A-BB7F-0DE9AC23BF0F}" type="slidenum">
               <a:rPr lang="zh-CN" altLang="en-US" smtClean="0"/>
               <a:t>‹#›</a:t>
             </a:fld>
@@ -515,7 +515,7 @@
     </p:spTree>
     <p:extLst>
       <p:ext uri="{BB962C8B-B14F-4D97-AF65-F5344CB8AC3E}">
-        <p14:creationId xmlns:p14="http://schemas.microsoft.com/office/powerpoint/2010/main" val="2335275532"/>
+        <p14:creationId xmlns:p14="http://schemas.microsoft.com/office/powerpoint/2010/main" val="3089138468"/>
       </p:ext>
     </p:extLst>
   </p:cSld>
@@ -547,7 +547,7 @@
           <p:cNvPr id="2" name="竖排标题 1">
             <a:extLst>
               <a:ext uri="{FF2B5EF4-FFF2-40B4-BE49-F238E27FC236}">
-                <a16:creationId xmlns:a16="http://schemas.microsoft.com/office/drawing/2014/main" id="{1E49EB9B-79AB-1AA1-AB9B-151CED68CB08}"/>
+                <a16:creationId xmlns:a16="http://schemas.microsoft.com/office/drawing/2014/main" id="{2AF72B67-A0C0-1E85-C6AD-FAC5B6E6D7D2}"/>
               </a:ext>
             </a:extLst>
           </p:cNvPr>
@@ -580,7 +580,7 @@
           <p:cNvPr id="3" name="竖排文字占位符 2">
             <a:extLst>
               <a:ext uri="{FF2B5EF4-FFF2-40B4-BE49-F238E27FC236}">
-                <a16:creationId xmlns:a16="http://schemas.microsoft.com/office/drawing/2014/main" id="{63691990-D1FA-A6DF-9CA5-2CDDDDFFD3BC}"/>
+                <a16:creationId xmlns:a16="http://schemas.microsoft.com/office/drawing/2014/main" id="{C46347F6-9921-6301-EE75-79F06E97F67B}"/>
               </a:ext>
             </a:extLst>
           </p:cNvPr>
@@ -642,7 +642,7 @@
           <p:cNvPr id="4" name="日期占位符 3">
             <a:extLst>
               <a:ext uri="{FF2B5EF4-FFF2-40B4-BE49-F238E27FC236}">
-                <a16:creationId xmlns:a16="http://schemas.microsoft.com/office/drawing/2014/main" id="{CC5C7DB9-AB95-8D4F-370B-C6492A88D8CA}"/>
+                <a16:creationId xmlns:a16="http://schemas.microsoft.com/office/drawing/2014/main" id="{9FA5E2CC-90CF-4880-14B7-BECDF764B054}"/>
               </a:ext>
             </a:extLst>
           </p:cNvPr>
@@ -658,7 +658,7 @@
           <a:bodyPr/>
           <a:lstStyle/>
           <a:p>
-            <a:fld id="{0A7383E2-539B-4E83-B63D-D074E822A429}" type="datetimeFigureOut">
+            <a:fld id="{5BF1340C-E761-4E31-A510-9EB425A289B2}" type="datetimeFigureOut">
               <a:rPr lang="zh-CN" altLang="en-US" smtClean="0"/>
               <a:t>2024/3/10</a:t>
             </a:fld>
@@ -671,7 +671,7 @@
           <p:cNvPr id="5" name="页脚占位符 4">
             <a:extLst>
               <a:ext uri="{FF2B5EF4-FFF2-40B4-BE49-F238E27FC236}">
-                <a16:creationId xmlns:a16="http://schemas.microsoft.com/office/drawing/2014/main" id="{745D6675-D973-78DB-38B9-1EDD776E598E}"/>
+                <a16:creationId xmlns:a16="http://schemas.microsoft.com/office/drawing/2014/main" id="{629ACFDB-87EA-5020-D121-E56F6B136DA2}"/>
               </a:ext>
             </a:extLst>
           </p:cNvPr>
@@ -696,7 +696,7 @@
           <p:cNvPr id="6" name="灯片编号占位符 5">
             <a:extLst>
               <a:ext uri="{FF2B5EF4-FFF2-40B4-BE49-F238E27FC236}">
-                <a16:creationId xmlns:a16="http://schemas.microsoft.com/office/drawing/2014/main" id="{E3DA9993-3208-17A8-16BF-FECAEAB9B7AD}"/>
+                <a16:creationId xmlns:a16="http://schemas.microsoft.com/office/drawing/2014/main" id="{A8FD29B7-CF8D-AF84-5B08-13AC123276EA}"/>
               </a:ext>
             </a:extLst>
           </p:cNvPr>
@@ -712,7 +712,7 @@
           <a:bodyPr/>
           <a:lstStyle/>
           <a:p>
-            <a:fld id="{AD9223FA-DED4-40E7-900E-1D89EBD64089}" type="slidenum">
+            <a:fld id="{5DB3AF71-083B-487A-BB7F-0DE9AC23BF0F}" type="slidenum">
               <a:rPr lang="zh-CN" altLang="en-US" smtClean="0"/>
               <a:t>‹#›</a:t>
             </a:fld>
@@ -723,7 +723,7 @@
     </p:spTree>
     <p:extLst>
       <p:ext uri="{BB962C8B-B14F-4D97-AF65-F5344CB8AC3E}">
-        <p14:creationId xmlns:p14="http://schemas.microsoft.com/office/powerpoint/2010/main" val="2599580295"/>
+        <p14:creationId xmlns:p14="http://schemas.microsoft.com/office/powerpoint/2010/main" val="278305825"/>
       </p:ext>
     </p:extLst>
   </p:cSld>
@@ -755,7 +755,7 @@
           <p:cNvPr id="2" name="标题 1">
             <a:extLst>
               <a:ext uri="{FF2B5EF4-FFF2-40B4-BE49-F238E27FC236}">
-                <a16:creationId xmlns:a16="http://schemas.microsoft.com/office/drawing/2014/main" id="{A499523D-B0E2-FC9C-F5BA-8CB8799454E3}"/>
+                <a16:creationId xmlns:a16="http://schemas.microsoft.com/office/drawing/2014/main" id="{5CD1BE0E-37AB-E518-7816-8CF064B0B249}"/>
               </a:ext>
             </a:extLst>
           </p:cNvPr>
@@ -783,7 +783,7 @@
           <p:cNvPr id="3" name="内容占位符 2">
             <a:extLst>
               <a:ext uri="{FF2B5EF4-FFF2-40B4-BE49-F238E27FC236}">
-                <a16:creationId xmlns:a16="http://schemas.microsoft.com/office/drawing/2014/main" id="{743F6894-7161-0E84-CD3B-1C59DFDDA2D4}"/>
+                <a16:creationId xmlns:a16="http://schemas.microsoft.com/office/drawing/2014/main" id="{42626EA7-A0F5-C22F-84E6-8F4F61F83C9D}"/>
               </a:ext>
             </a:extLst>
           </p:cNvPr>
@@ -840,7 +840,7 @@
           <p:cNvPr id="4" name="日期占位符 3">
             <a:extLst>
               <a:ext uri="{FF2B5EF4-FFF2-40B4-BE49-F238E27FC236}">
-                <a16:creationId xmlns:a16="http://schemas.microsoft.com/office/drawing/2014/main" id="{548C8D32-E3FE-14DD-85F1-772D8E965D46}"/>
+                <a16:creationId xmlns:a16="http://schemas.microsoft.com/office/drawing/2014/main" id="{0730EABA-C4B4-65E7-D552-9C1A0965B3BF}"/>
               </a:ext>
             </a:extLst>
           </p:cNvPr>
@@ -856,7 +856,7 @@
           <a:bodyPr/>
           <a:lstStyle/>
           <a:p>
-            <a:fld id="{0A7383E2-539B-4E83-B63D-D074E822A429}" type="datetimeFigureOut">
+            <a:fld id="{5BF1340C-E761-4E31-A510-9EB425A289B2}" type="datetimeFigureOut">
               <a:rPr lang="zh-CN" altLang="en-US" smtClean="0"/>
               <a:t>2024/3/10</a:t>
             </a:fld>
@@ -869,7 +869,7 @@
           <p:cNvPr id="5" name="页脚占位符 4">
             <a:extLst>
               <a:ext uri="{FF2B5EF4-FFF2-40B4-BE49-F238E27FC236}">
-                <a16:creationId xmlns:a16="http://schemas.microsoft.com/office/drawing/2014/main" id="{9D61D809-9CE3-B83C-913A-87088A90880A}"/>
+                <a16:creationId xmlns:a16="http://schemas.microsoft.com/office/drawing/2014/main" id="{4D467FB6-A976-D653-8FED-DE5AA01E0050}"/>
               </a:ext>
             </a:extLst>
           </p:cNvPr>
@@ -894,7 +894,7 @@
           <p:cNvPr id="6" name="灯片编号占位符 5">
             <a:extLst>
               <a:ext uri="{FF2B5EF4-FFF2-40B4-BE49-F238E27FC236}">
-                <a16:creationId xmlns:a16="http://schemas.microsoft.com/office/drawing/2014/main" id="{7416B066-358C-2BD5-BA8E-986A97818270}"/>
+                <a16:creationId xmlns:a16="http://schemas.microsoft.com/office/drawing/2014/main" id="{AC7FA32F-2783-B0BD-F746-1BD8FE049D1E}"/>
               </a:ext>
             </a:extLst>
           </p:cNvPr>
@@ -910,7 +910,7 @@
           <a:bodyPr/>
           <a:lstStyle/>
           <a:p>
-            <a:fld id="{AD9223FA-DED4-40E7-900E-1D89EBD64089}" type="slidenum">
+            <a:fld id="{5DB3AF71-083B-487A-BB7F-0DE9AC23BF0F}" type="slidenum">
               <a:rPr lang="zh-CN" altLang="en-US" smtClean="0"/>
               <a:t>‹#›</a:t>
             </a:fld>
@@ -921,7 +921,7 @@
     </p:spTree>
     <p:extLst>
       <p:ext uri="{BB962C8B-B14F-4D97-AF65-F5344CB8AC3E}">
-        <p14:creationId xmlns:p14="http://schemas.microsoft.com/office/powerpoint/2010/main" val="1257939735"/>
+        <p14:creationId xmlns:p14="http://schemas.microsoft.com/office/powerpoint/2010/main" val="3610220390"/>
       </p:ext>
     </p:extLst>
   </p:cSld>
@@ -953,7 +953,7 @@
           <p:cNvPr id="2" name="标题 1">
             <a:extLst>
               <a:ext uri="{FF2B5EF4-FFF2-40B4-BE49-F238E27FC236}">
-                <a16:creationId xmlns:a16="http://schemas.microsoft.com/office/drawing/2014/main" id="{45424278-BD5A-61C6-DE4C-B7FEEFD18CB6}"/>
+                <a16:creationId xmlns:a16="http://schemas.microsoft.com/office/drawing/2014/main" id="{A7E89EF4-B44C-4430-92CC-5A79142999FD}"/>
               </a:ext>
             </a:extLst>
           </p:cNvPr>
@@ -990,7 +990,7 @@
           <p:cNvPr id="3" name="文本占位符 2">
             <a:extLst>
               <a:ext uri="{FF2B5EF4-FFF2-40B4-BE49-F238E27FC236}">
-                <a16:creationId xmlns:a16="http://schemas.microsoft.com/office/drawing/2014/main" id="{AB82BC43-06EB-AF5D-383A-2AA072B88BE9}"/>
+                <a16:creationId xmlns:a16="http://schemas.microsoft.com/office/drawing/2014/main" id="{908EAED4-6DD5-0061-BE37-79D0A59E66FA}"/>
               </a:ext>
             </a:extLst>
           </p:cNvPr>
@@ -1115,7 +1115,7 @@
           <p:cNvPr id="4" name="日期占位符 3">
             <a:extLst>
               <a:ext uri="{FF2B5EF4-FFF2-40B4-BE49-F238E27FC236}">
-                <a16:creationId xmlns:a16="http://schemas.microsoft.com/office/drawing/2014/main" id="{C1E289B0-0A15-9587-A82A-0A7EC362B5CD}"/>
+                <a16:creationId xmlns:a16="http://schemas.microsoft.com/office/drawing/2014/main" id="{F4490528-3BE6-C895-8BB0-B0FBE6FC9D6D}"/>
               </a:ext>
             </a:extLst>
           </p:cNvPr>
@@ -1131,7 +1131,7 @@
           <a:bodyPr/>
           <a:lstStyle/>
           <a:p>
-            <a:fld id="{0A7383E2-539B-4E83-B63D-D074E822A429}" type="datetimeFigureOut">
+            <a:fld id="{5BF1340C-E761-4E31-A510-9EB425A289B2}" type="datetimeFigureOut">
               <a:rPr lang="zh-CN" altLang="en-US" smtClean="0"/>
               <a:t>2024/3/10</a:t>
             </a:fld>
@@ -1144,7 +1144,7 @@
           <p:cNvPr id="5" name="页脚占位符 4">
             <a:extLst>
               <a:ext uri="{FF2B5EF4-FFF2-40B4-BE49-F238E27FC236}">
-                <a16:creationId xmlns:a16="http://schemas.microsoft.com/office/drawing/2014/main" id="{8C718B83-9264-21FF-408F-578E29569909}"/>
+                <a16:creationId xmlns:a16="http://schemas.microsoft.com/office/drawing/2014/main" id="{B1A2E909-F6AE-4CB3-6DCE-DF636CA727A2}"/>
               </a:ext>
             </a:extLst>
           </p:cNvPr>
@@ -1169,7 +1169,7 @@
           <p:cNvPr id="6" name="灯片编号占位符 5">
             <a:extLst>
               <a:ext uri="{FF2B5EF4-FFF2-40B4-BE49-F238E27FC236}">
-                <a16:creationId xmlns:a16="http://schemas.microsoft.com/office/drawing/2014/main" id="{B361B8BF-2407-CB4A-5F98-99BB9C948201}"/>
+                <a16:creationId xmlns:a16="http://schemas.microsoft.com/office/drawing/2014/main" id="{52FBF5D6-8985-B5FA-3ED7-D3A34D7C994F}"/>
               </a:ext>
             </a:extLst>
           </p:cNvPr>
@@ -1185,7 +1185,7 @@
           <a:bodyPr/>
           <a:lstStyle/>
           <a:p>
-            <a:fld id="{AD9223FA-DED4-40E7-900E-1D89EBD64089}" type="slidenum">
+            <a:fld id="{5DB3AF71-083B-487A-BB7F-0DE9AC23BF0F}" type="slidenum">
               <a:rPr lang="zh-CN" altLang="en-US" smtClean="0"/>
               <a:t>‹#›</a:t>
             </a:fld>
@@ -1196,7 +1196,7 @@
     </p:spTree>
     <p:extLst>
       <p:ext uri="{BB962C8B-B14F-4D97-AF65-F5344CB8AC3E}">
-        <p14:creationId xmlns:p14="http://schemas.microsoft.com/office/powerpoint/2010/main" val="1763746494"/>
+        <p14:creationId xmlns:p14="http://schemas.microsoft.com/office/powerpoint/2010/main" val="3613207587"/>
       </p:ext>
     </p:extLst>
   </p:cSld>
@@ -1228,7 +1228,7 @@
           <p:cNvPr id="2" name="标题 1">
             <a:extLst>
               <a:ext uri="{FF2B5EF4-FFF2-40B4-BE49-F238E27FC236}">
-                <a16:creationId xmlns:a16="http://schemas.microsoft.com/office/drawing/2014/main" id="{345D3CCD-E921-23E3-0EE9-A771EB7EC306}"/>
+                <a16:creationId xmlns:a16="http://schemas.microsoft.com/office/drawing/2014/main" id="{7D18496A-9D23-19DB-07FD-3D67C2EDF861}"/>
               </a:ext>
             </a:extLst>
           </p:cNvPr>
@@ -1256,7 +1256,7 @@
           <p:cNvPr id="3" name="内容占位符 2">
             <a:extLst>
               <a:ext uri="{FF2B5EF4-FFF2-40B4-BE49-F238E27FC236}">
-                <a16:creationId xmlns:a16="http://schemas.microsoft.com/office/drawing/2014/main" id="{A3650A51-901B-AC66-7A97-2EF38497AB6E}"/>
+                <a16:creationId xmlns:a16="http://schemas.microsoft.com/office/drawing/2014/main" id="{2E786DEB-CA32-6331-61EF-959DDB1AC432}"/>
               </a:ext>
             </a:extLst>
           </p:cNvPr>
@@ -1318,7 +1318,7 @@
           <p:cNvPr id="4" name="内容占位符 3">
             <a:extLst>
               <a:ext uri="{FF2B5EF4-FFF2-40B4-BE49-F238E27FC236}">
-                <a16:creationId xmlns:a16="http://schemas.microsoft.com/office/drawing/2014/main" id="{A8F67266-0D55-369D-F26E-B7C79FA09A29}"/>
+                <a16:creationId xmlns:a16="http://schemas.microsoft.com/office/drawing/2014/main" id="{40F7CABC-B6E4-D21D-D71D-470798B18569}"/>
               </a:ext>
             </a:extLst>
           </p:cNvPr>
@@ -1380,7 +1380,7 @@
           <p:cNvPr id="5" name="日期占位符 4">
             <a:extLst>
               <a:ext uri="{FF2B5EF4-FFF2-40B4-BE49-F238E27FC236}">
-                <a16:creationId xmlns:a16="http://schemas.microsoft.com/office/drawing/2014/main" id="{7C9C06D3-745B-BF4B-AB3A-936B52936128}"/>
+                <a16:creationId xmlns:a16="http://schemas.microsoft.com/office/drawing/2014/main" id="{818BF8EF-467E-3C01-C0F8-0C7BC8BFC7BD}"/>
               </a:ext>
             </a:extLst>
           </p:cNvPr>
@@ -1396,7 +1396,7 @@
           <a:bodyPr/>
           <a:lstStyle/>
           <a:p>
-            <a:fld id="{0A7383E2-539B-4E83-B63D-D074E822A429}" type="datetimeFigureOut">
+            <a:fld id="{5BF1340C-E761-4E31-A510-9EB425A289B2}" type="datetimeFigureOut">
               <a:rPr lang="zh-CN" altLang="en-US" smtClean="0"/>
               <a:t>2024/3/10</a:t>
             </a:fld>
@@ -1409,7 +1409,7 @@
           <p:cNvPr id="6" name="页脚占位符 5">
             <a:extLst>
               <a:ext uri="{FF2B5EF4-FFF2-40B4-BE49-F238E27FC236}">
-                <a16:creationId xmlns:a16="http://schemas.microsoft.com/office/drawing/2014/main" id="{F12214A9-A80E-6338-6C7D-79A653540BD9}"/>
+                <a16:creationId xmlns:a16="http://schemas.microsoft.com/office/drawing/2014/main" id="{0084E7AE-B995-45F4-BB00-6936D6B819CB}"/>
               </a:ext>
             </a:extLst>
           </p:cNvPr>
@@ -1434,7 +1434,7 @@
           <p:cNvPr id="7" name="灯片编号占位符 6">
             <a:extLst>
               <a:ext uri="{FF2B5EF4-FFF2-40B4-BE49-F238E27FC236}">
-                <a16:creationId xmlns:a16="http://schemas.microsoft.com/office/drawing/2014/main" id="{D13C26D9-7B55-365F-0348-F25573196C03}"/>
+                <a16:creationId xmlns:a16="http://schemas.microsoft.com/office/drawing/2014/main" id="{A3437BBB-21BB-4FDC-86FD-CC7D6CB4CC41}"/>
               </a:ext>
             </a:extLst>
           </p:cNvPr>
@@ -1450,7 +1450,7 @@
           <a:bodyPr/>
           <a:lstStyle/>
           <a:p>
-            <a:fld id="{AD9223FA-DED4-40E7-900E-1D89EBD64089}" type="slidenum">
+            <a:fld id="{5DB3AF71-083B-487A-BB7F-0DE9AC23BF0F}" type="slidenum">
               <a:rPr lang="zh-CN" altLang="en-US" smtClean="0"/>
               <a:t>‹#›</a:t>
             </a:fld>
@@ -1461,7 +1461,7 @@
     </p:spTree>
     <p:extLst>
       <p:ext uri="{BB962C8B-B14F-4D97-AF65-F5344CB8AC3E}">
-        <p14:creationId xmlns:p14="http://schemas.microsoft.com/office/powerpoint/2010/main" val="2279684976"/>
+        <p14:creationId xmlns:p14="http://schemas.microsoft.com/office/powerpoint/2010/main" val="2289363213"/>
       </p:ext>
     </p:extLst>
   </p:cSld>
@@ -1493,7 +1493,7 @@
           <p:cNvPr id="2" name="标题 1">
             <a:extLst>
               <a:ext uri="{FF2B5EF4-FFF2-40B4-BE49-F238E27FC236}">
-                <a16:creationId xmlns:a16="http://schemas.microsoft.com/office/drawing/2014/main" id="{BB163B5F-A799-E954-93F7-9C39156AEF78}"/>
+                <a16:creationId xmlns:a16="http://schemas.microsoft.com/office/drawing/2014/main" id="{54A2911D-168A-AD79-EC12-5C68D29FBB3E}"/>
               </a:ext>
             </a:extLst>
           </p:cNvPr>
@@ -1526,7 +1526,7 @@
           <p:cNvPr id="3" name="文本占位符 2">
             <a:extLst>
               <a:ext uri="{FF2B5EF4-FFF2-40B4-BE49-F238E27FC236}">
-                <a16:creationId xmlns:a16="http://schemas.microsoft.com/office/drawing/2014/main" id="{BE5710DE-6F69-E27A-3A1E-D70D8CC183DD}"/>
+                <a16:creationId xmlns:a16="http://schemas.microsoft.com/office/drawing/2014/main" id="{021A8BB2-3735-1CFF-6CA4-6DEBC31E849E}"/>
               </a:ext>
             </a:extLst>
           </p:cNvPr>
@@ -1597,7 +1597,7 @@
           <p:cNvPr id="4" name="内容占位符 3">
             <a:extLst>
               <a:ext uri="{FF2B5EF4-FFF2-40B4-BE49-F238E27FC236}">
-                <a16:creationId xmlns:a16="http://schemas.microsoft.com/office/drawing/2014/main" id="{967C09FF-FBED-FF4A-39A7-EBF870E7E864}"/>
+                <a16:creationId xmlns:a16="http://schemas.microsoft.com/office/drawing/2014/main" id="{F2CA9EDC-629E-77A4-8F30-4C09F185A1D9}"/>
               </a:ext>
             </a:extLst>
           </p:cNvPr>
@@ -1659,7 +1659,7 @@
           <p:cNvPr id="5" name="文本占位符 4">
             <a:extLst>
               <a:ext uri="{FF2B5EF4-FFF2-40B4-BE49-F238E27FC236}">
-                <a16:creationId xmlns:a16="http://schemas.microsoft.com/office/drawing/2014/main" id="{993C4010-E460-28BB-51B7-FAED165FA2DA}"/>
+                <a16:creationId xmlns:a16="http://schemas.microsoft.com/office/drawing/2014/main" id="{33899DDA-94DE-B259-176F-CD7DB032B388}"/>
               </a:ext>
             </a:extLst>
           </p:cNvPr>
@@ -1730,7 +1730,7 @@
           <p:cNvPr id="6" name="内容占位符 5">
             <a:extLst>
               <a:ext uri="{FF2B5EF4-FFF2-40B4-BE49-F238E27FC236}">
-                <a16:creationId xmlns:a16="http://schemas.microsoft.com/office/drawing/2014/main" id="{7F1FB180-0E4C-1C13-8AD9-6E9D2427AC22}"/>
+                <a16:creationId xmlns:a16="http://schemas.microsoft.com/office/drawing/2014/main" id="{B0C6153B-EDF5-B455-FC1A-54ACBC43B9A3}"/>
               </a:ext>
             </a:extLst>
           </p:cNvPr>
@@ -1792,7 +1792,7 @@
           <p:cNvPr id="7" name="日期占位符 6">
             <a:extLst>
               <a:ext uri="{FF2B5EF4-FFF2-40B4-BE49-F238E27FC236}">
-                <a16:creationId xmlns:a16="http://schemas.microsoft.com/office/drawing/2014/main" id="{EEC319BD-981B-B35B-C6E0-676C12C018B3}"/>
+                <a16:creationId xmlns:a16="http://schemas.microsoft.com/office/drawing/2014/main" id="{80F941C2-0CCD-3204-347C-52F85D7AC6CC}"/>
               </a:ext>
             </a:extLst>
           </p:cNvPr>
@@ -1808,7 +1808,7 @@
           <a:bodyPr/>
           <a:lstStyle/>
           <a:p>
-            <a:fld id="{0A7383E2-539B-4E83-B63D-D074E822A429}" type="datetimeFigureOut">
+            <a:fld id="{5BF1340C-E761-4E31-A510-9EB425A289B2}" type="datetimeFigureOut">
               <a:rPr lang="zh-CN" altLang="en-US" smtClean="0"/>
               <a:t>2024/3/10</a:t>
             </a:fld>
@@ -1821,7 +1821,7 @@
           <p:cNvPr id="8" name="页脚占位符 7">
             <a:extLst>
               <a:ext uri="{FF2B5EF4-FFF2-40B4-BE49-F238E27FC236}">
-                <a16:creationId xmlns:a16="http://schemas.microsoft.com/office/drawing/2014/main" id="{4EAE114E-4230-17C4-E603-A11BABCB4E84}"/>
+                <a16:creationId xmlns:a16="http://schemas.microsoft.com/office/drawing/2014/main" id="{F4DB7EBC-4074-E609-EEC3-F2376C603266}"/>
               </a:ext>
             </a:extLst>
           </p:cNvPr>
@@ -1846,7 +1846,7 @@
           <p:cNvPr id="9" name="灯片编号占位符 8">
             <a:extLst>
               <a:ext uri="{FF2B5EF4-FFF2-40B4-BE49-F238E27FC236}">
-                <a16:creationId xmlns:a16="http://schemas.microsoft.com/office/drawing/2014/main" id="{0716EB8A-DC08-C802-0936-318636AB79E9}"/>
+                <a16:creationId xmlns:a16="http://schemas.microsoft.com/office/drawing/2014/main" id="{6B8ACFBB-75E1-02BC-E89C-4E04122716C2}"/>
               </a:ext>
             </a:extLst>
           </p:cNvPr>
@@ -1862,7 +1862,7 @@
           <a:bodyPr/>
           <a:lstStyle/>
           <a:p>
-            <a:fld id="{AD9223FA-DED4-40E7-900E-1D89EBD64089}" type="slidenum">
+            <a:fld id="{5DB3AF71-083B-487A-BB7F-0DE9AC23BF0F}" type="slidenum">
               <a:rPr lang="zh-CN" altLang="en-US" smtClean="0"/>
               <a:t>‹#›</a:t>
             </a:fld>
@@ -1873,7 +1873,7 @@
     </p:spTree>
     <p:extLst>
       <p:ext uri="{BB962C8B-B14F-4D97-AF65-F5344CB8AC3E}">
-        <p14:creationId xmlns:p14="http://schemas.microsoft.com/office/powerpoint/2010/main" val="2273982285"/>
+        <p14:creationId xmlns:p14="http://schemas.microsoft.com/office/powerpoint/2010/main" val="268773622"/>
       </p:ext>
     </p:extLst>
   </p:cSld>
@@ -1905,7 +1905,7 @@
           <p:cNvPr id="2" name="标题 1">
             <a:extLst>
               <a:ext uri="{FF2B5EF4-FFF2-40B4-BE49-F238E27FC236}">
-                <a16:creationId xmlns:a16="http://schemas.microsoft.com/office/drawing/2014/main" id="{D5EC5785-F12D-3799-C931-A4B9C8D6031C}"/>
+                <a16:creationId xmlns:a16="http://schemas.microsoft.com/office/drawing/2014/main" id="{CEE738D7-77FF-F53C-65D1-1227590FAAF1}"/>
               </a:ext>
             </a:extLst>
           </p:cNvPr>
@@ -1933,7 +1933,7 @@
           <p:cNvPr id="3" name="日期占位符 2">
             <a:extLst>
               <a:ext uri="{FF2B5EF4-FFF2-40B4-BE49-F238E27FC236}">
-                <a16:creationId xmlns:a16="http://schemas.microsoft.com/office/drawing/2014/main" id="{69E69609-45AA-2777-B05D-EE43C704B361}"/>
+                <a16:creationId xmlns:a16="http://schemas.microsoft.com/office/drawing/2014/main" id="{400154E2-F6EB-6C25-D5FA-6B4EA6F8AD4F}"/>
               </a:ext>
             </a:extLst>
           </p:cNvPr>
@@ -1949,7 +1949,7 @@
           <a:bodyPr/>
           <a:lstStyle/>
           <a:p>
-            <a:fld id="{0A7383E2-539B-4E83-B63D-D074E822A429}" type="datetimeFigureOut">
+            <a:fld id="{5BF1340C-E761-4E31-A510-9EB425A289B2}" type="datetimeFigureOut">
               <a:rPr lang="zh-CN" altLang="en-US" smtClean="0"/>
               <a:t>2024/3/10</a:t>
             </a:fld>
@@ -1962,7 +1962,7 @@
           <p:cNvPr id="4" name="页脚占位符 3">
             <a:extLst>
               <a:ext uri="{FF2B5EF4-FFF2-40B4-BE49-F238E27FC236}">
-                <a16:creationId xmlns:a16="http://schemas.microsoft.com/office/drawing/2014/main" id="{C60E04F3-96F0-97AD-4306-F957C384A3DE}"/>
+                <a16:creationId xmlns:a16="http://schemas.microsoft.com/office/drawing/2014/main" id="{0579F66A-8BA3-D5B9-EC0F-AC8E8E23146B}"/>
               </a:ext>
             </a:extLst>
           </p:cNvPr>
@@ -1987,7 +1987,7 @@
           <p:cNvPr id="5" name="灯片编号占位符 4">
             <a:extLst>
               <a:ext uri="{FF2B5EF4-FFF2-40B4-BE49-F238E27FC236}">
-                <a16:creationId xmlns:a16="http://schemas.microsoft.com/office/drawing/2014/main" id="{33FF61D6-96E4-7D1B-96C1-478D4F5069A9}"/>
+                <a16:creationId xmlns:a16="http://schemas.microsoft.com/office/drawing/2014/main" id="{9D5D1DA2-7A4D-6B08-753A-E799FCEB7619}"/>
               </a:ext>
             </a:extLst>
           </p:cNvPr>
@@ -2003,7 +2003,7 @@
           <a:bodyPr/>
           <a:lstStyle/>
           <a:p>
-            <a:fld id="{AD9223FA-DED4-40E7-900E-1D89EBD64089}" type="slidenum">
+            <a:fld id="{5DB3AF71-083B-487A-BB7F-0DE9AC23BF0F}" type="slidenum">
               <a:rPr lang="zh-CN" altLang="en-US" smtClean="0"/>
               <a:t>‹#›</a:t>
             </a:fld>
@@ -2014,7 +2014,7 @@
     </p:spTree>
     <p:extLst>
       <p:ext uri="{BB962C8B-B14F-4D97-AF65-F5344CB8AC3E}">
-        <p14:creationId xmlns:p14="http://schemas.microsoft.com/office/powerpoint/2010/main" val="1776978499"/>
+        <p14:creationId xmlns:p14="http://schemas.microsoft.com/office/powerpoint/2010/main" val="2086856783"/>
       </p:ext>
     </p:extLst>
   </p:cSld>
@@ -2046,7 +2046,7 @@
           <p:cNvPr id="2" name="日期占位符 1">
             <a:extLst>
               <a:ext uri="{FF2B5EF4-FFF2-40B4-BE49-F238E27FC236}">
-                <a16:creationId xmlns:a16="http://schemas.microsoft.com/office/drawing/2014/main" id="{52F67AD1-C76C-E4AF-E5A8-B612967B67F6}"/>
+                <a16:creationId xmlns:a16="http://schemas.microsoft.com/office/drawing/2014/main" id="{54A3ED0C-9515-9771-DFDD-E419CD369077}"/>
               </a:ext>
             </a:extLst>
           </p:cNvPr>
@@ -2062,7 +2062,7 @@
           <a:bodyPr/>
           <a:lstStyle/>
           <a:p>
-            <a:fld id="{0A7383E2-539B-4E83-B63D-D074E822A429}" type="datetimeFigureOut">
+            <a:fld id="{5BF1340C-E761-4E31-A510-9EB425A289B2}" type="datetimeFigureOut">
               <a:rPr lang="zh-CN" altLang="en-US" smtClean="0"/>
               <a:t>2024/3/10</a:t>
             </a:fld>
@@ -2075,7 +2075,7 @@
           <p:cNvPr id="3" name="页脚占位符 2">
             <a:extLst>
               <a:ext uri="{FF2B5EF4-FFF2-40B4-BE49-F238E27FC236}">
-                <a16:creationId xmlns:a16="http://schemas.microsoft.com/office/drawing/2014/main" id="{9CF8EFD8-314B-F792-79D5-C9B1DFCCE08C}"/>
+                <a16:creationId xmlns:a16="http://schemas.microsoft.com/office/drawing/2014/main" id="{E62ED120-7086-4EB5-DA5D-B3883BA56BE3}"/>
               </a:ext>
             </a:extLst>
           </p:cNvPr>
@@ -2100,7 +2100,7 @@
           <p:cNvPr id="4" name="灯片编号占位符 3">
             <a:extLst>
               <a:ext uri="{FF2B5EF4-FFF2-40B4-BE49-F238E27FC236}">
-                <a16:creationId xmlns:a16="http://schemas.microsoft.com/office/drawing/2014/main" id="{C383744D-029D-45C1-684B-E497491475CC}"/>
+                <a16:creationId xmlns:a16="http://schemas.microsoft.com/office/drawing/2014/main" id="{DA54AC02-F43F-9779-06DC-CCC31D4397C8}"/>
               </a:ext>
             </a:extLst>
           </p:cNvPr>
@@ -2116,7 +2116,7 @@
           <a:bodyPr/>
           <a:lstStyle/>
           <a:p>
-            <a:fld id="{AD9223FA-DED4-40E7-900E-1D89EBD64089}" type="slidenum">
+            <a:fld id="{5DB3AF71-083B-487A-BB7F-0DE9AC23BF0F}" type="slidenum">
               <a:rPr lang="zh-CN" altLang="en-US" smtClean="0"/>
               <a:t>‹#›</a:t>
             </a:fld>
@@ -2127,7 +2127,7 @@
     </p:spTree>
     <p:extLst>
       <p:ext uri="{BB962C8B-B14F-4D97-AF65-F5344CB8AC3E}">
-        <p14:creationId xmlns:p14="http://schemas.microsoft.com/office/powerpoint/2010/main" val="3995936552"/>
+        <p14:creationId xmlns:p14="http://schemas.microsoft.com/office/powerpoint/2010/main" val="2822852083"/>
       </p:ext>
     </p:extLst>
   </p:cSld>
@@ -2159,7 +2159,7 @@
           <p:cNvPr id="2" name="标题 1">
             <a:extLst>
               <a:ext uri="{FF2B5EF4-FFF2-40B4-BE49-F238E27FC236}">
-                <a16:creationId xmlns:a16="http://schemas.microsoft.com/office/drawing/2014/main" id="{C23D773B-DDE1-BEC0-95B7-B02814BE707D}"/>
+                <a16:creationId xmlns:a16="http://schemas.microsoft.com/office/drawing/2014/main" id="{28382802-8B2F-0363-415B-4028D9988B70}"/>
               </a:ext>
             </a:extLst>
           </p:cNvPr>
@@ -2196,7 +2196,7 @@
           <p:cNvPr id="3" name="内容占位符 2">
             <a:extLst>
               <a:ext uri="{FF2B5EF4-FFF2-40B4-BE49-F238E27FC236}">
-                <a16:creationId xmlns:a16="http://schemas.microsoft.com/office/drawing/2014/main" id="{D1460746-EDDB-3BDE-17A3-CA2B011D0F6A}"/>
+                <a16:creationId xmlns:a16="http://schemas.microsoft.com/office/drawing/2014/main" id="{36A9727F-AE40-2ACD-4373-B67AE698C7B7}"/>
               </a:ext>
             </a:extLst>
           </p:cNvPr>
@@ -2286,7 +2286,7 @@
           <p:cNvPr id="4" name="文本占位符 3">
             <a:extLst>
               <a:ext uri="{FF2B5EF4-FFF2-40B4-BE49-F238E27FC236}">
-                <a16:creationId xmlns:a16="http://schemas.microsoft.com/office/drawing/2014/main" id="{4459D3C6-6499-A524-8FA1-CDBE89F9B52B}"/>
+                <a16:creationId xmlns:a16="http://schemas.microsoft.com/office/drawing/2014/main" id="{C4B0E61C-0F3B-2056-10D1-232E8143E6F2}"/>
               </a:ext>
             </a:extLst>
           </p:cNvPr>
@@ -2357,7 +2357,7 @@
           <p:cNvPr id="5" name="日期占位符 4">
             <a:extLst>
               <a:ext uri="{FF2B5EF4-FFF2-40B4-BE49-F238E27FC236}">
-                <a16:creationId xmlns:a16="http://schemas.microsoft.com/office/drawing/2014/main" id="{F2F1B2BA-EFC0-B87B-717B-F2C15FF6F176}"/>
+                <a16:creationId xmlns:a16="http://schemas.microsoft.com/office/drawing/2014/main" id="{34C92435-4ED5-ECA2-8190-BFFBFCD90BA0}"/>
               </a:ext>
             </a:extLst>
           </p:cNvPr>
@@ -2373,7 +2373,7 @@
           <a:bodyPr/>
           <a:lstStyle/>
           <a:p>
-            <a:fld id="{0A7383E2-539B-4E83-B63D-D074E822A429}" type="datetimeFigureOut">
+            <a:fld id="{5BF1340C-E761-4E31-A510-9EB425A289B2}" type="datetimeFigureOut">
               <a:rPr lang="zh-CN" altLang="en-US" smtClean="0"/>
               <a:t>2024/3/10</a:t>
             </a:fld>
@@ -2386,7 +2386,7 @@
           <p:cNvPr id="6" name="页脚占位符 5">
             <a:extLst>
               <a:ext uri="{FF2B5EF4-FFF2-40B4-BE49-F238E27FC236}">
-                <a16:creationId xmlns:a16="http://schemas.microsoft.com/office/drawing/2014/main" id="{8071922B-BCDF-9AD8-9F1A-EFA5F8ED4739}"/>
+                <a16:creationId xmlns:a16="http://schemas.microsoft.com/office/drawing/2014/main" id="{985233F3-3036-E122-7A87-1AB84E219D29}"/>
               </a:ext>
             </a:extLst>
           </p:cNvPr>
@@ -2411,7 +2411,7 @@
           <p:cNvPr id="7" name="灯片编号占位符 6">
             <a:extLst>
               <a:ext uri="{FF2B5EF4-FFF2-40B4-BE49-F238E27FC236}">
-                <a16:creationId xmlns:a16="http://schemas.microsoft.com/office/drawing/2014/main" id="{1DD988A8-8B23-469C-EB23-BC221A156A25}"/>
+                <a16:creationId xmlns:a16="http://schemas.microsoft.com/office/drawing/2014/main" id="{155B6869-2A48-C593-909C-748CE315E93F}"/>
               </a:ext>
             </a:extLst>
           </p:cNvPr>
@@ -2427,7 +2427,7 @@
           <a:bodyPr/>
           <a:lstStyle/>
           <a:p>
-            <a:fld id="{AD9223FA-DED4-40E7-900E-1D89EBD64089}" type="slidenum">
+            <a:fld id="{5DB3AF71-083B-487A-BB7F-0DE9AC23BF0F}" type="slidenum">
               <a:rPr lang="zh-CN" altLang="en-US" smtClean="0"/>
               <a:t>‹#›</a:t>
             </a:fld>
@@ -2438,7 +2438,7 @@
     </p:spTree>
     <p:extLst>
       <p:ext uri="{BB962C8B-B14F-4D97-AF65-F5344CB8AC3E}">
-        <p14:creationId xmlns:p14="http://schemas.microsoft.com/office/powerpoint/2010/main" val="2241887404"/>
+        <p14:creationId xmlns:p14="http://schemas.microsoft.com/office/powerpoint/2010/main" val="2768509589"/>
       </p:ext>
     </p:extLst>
   </p:cSld>
@@ -2470,7 +2470,7 @@
           <p:cNvPr id="2" name="标题 1">
             <a:extLst>
               <a:ext uri="{FF2B5EF4-FFF2-40B4-BE49-F238E27FC236}">
-                <a16:creationId xmlns:a16="http://schemas.microsoft.com/office/drawing/2014/main" id="{C37C3EAC-6BAF-69E2-979E-6E919B0AB5C0}"/>
+                <a16:creationId xmlns:a16="http://schemas.microsoft.com/office/drawing/2014/main" id="{B0D90639-9ED2-EA69-5995-F1F9C20E9AA3}"/>
               </a:ext>
             </a:extLst>
           </p:cNvPr>
@@ -2507,7 +2507,7 @@
           <p:cNvPr id="3" name="图片占位符 2">
             <a:extLst>
               <a:ext uri="{FF2B5EF4-FFF2-40B4-BE49-F238E27FC236}">
-                <a16:creationId xmlns:a16="http://schemas.microsoft.com/office/drawing/2014/main" id="{FC9AC628-991E-019A-0D70-4727E7E536A3}"/>
+                <a16:creationId xmlns:a16="http://schemas.microsoft.com/office/drawing/2014/main" id="{174B0E4D-4DAD-62E8-3432-86C10BD5F344}"/>
               </a:ext>
             </a:extLst>
           </p:cNvPr>
@@ -2574,7 +2574,7 @@
           <p:cNvPr id="4" name="文本占位符 3">
             <a:extLst>
               <a:ext uri="{FF2B5EF4-FFF2-40B4-BE49-F238E27FC236}">
-                <a16:creationId xmlns:a16="http://schemas.microsoft.com/office/drawing/2014/main" id="{C3491F8F-2D7B-903D-2BF8-8FE9748FE4A6}"/>
+                <a16:creationId xmlns:a16="http://schemas.microsoft.com/office/drawing/2014/main" id="{E2A91015-9AA8-7789-25D3-4924F78CE383}"/>
               </a:ext>
             </a:extLst>
           </p:cNvPr>
@@ -2645,7 +2645,7 @@
           <p:cNvPr id="5" name="日期占位符 4">
             <a:extLst>
               <a:ext uri="{FF2B5EF4-FFF2-40B4-BE49-F238E27FC236}">
-                <a16:creationId xmlns:a16="http://schemas.microsoft.com/office/drawing/2014/main" id="{C7C275A2-B368-5E41-913A-7C86251BE764}"/>
+                <a16:creationId xmlns:a16="http://schemas.microsoft.com/office/drawing/2014/main" id="{77D0784A-95D4-E505-22F7-2D969FAB71BE}"/>
               </a:ext>
             </a:extLst>
           </p:cNvPr>
@@ -2661,7 +2661,7 @@
           <a:bodyPr/>
           <a:lstStyle/>
           <a:p>
-            <a:fld id="{0A7383E2-539B-4E83-B63D-D074E822A429}" type="datetimeFigureOut">
+            <a:fld id="{5BF1340C-E761-4E31-A510-9EB425A289B2}" type="datetimeFigureOut">
               <a:rPr lang="zh-CN" altLang="en-US" smtClean="0"/>
               <a:t>2024/3/10</a:t>
             </a:fld>
@@ -2674,7 +2674,7 @@
           <p:cNvPr id="6" name="页脚占位符 5">
             <a:extLst>
               <a:ext uri="{FF2B5EF4-FFF2-40B4-BE49-F238E27FC236}">
-                <a16:creationId xmlns:a16="http://schemas.microsoft.com/office/drawing/2014/main" id="{3B6EDF3D-8826-3DEB-E4E0-01662D2CA8F4}"/>
+                <a16:creationId xmlns:a16="http://schemas.microsoft.com/office/drawing/2014/main" id="{DECA988D-9790-25BC-9ED0-33815C205E30}"/>
               </a:ext>
             </a:extLst>
           </p:cNvPr>
@@ -2699,7 +2699,7 @@
           <p:cNvPr id="7" name="灯片编号占位符 6">
             <a:extLst>
               <a:ext uri="{FF2B5EF4-FFF2-40B4-BE49-F238E27FC236}">
-                <a16:creationId xmlns:a16="http://schemas.microsoft.com/office/drawing/2014/main" id="{931685E7-F9FC-78F1-DA1D-30DAC0C19CB3}"/>
+                <a16:creationId xmlns:a16="http://schemas.microsoft.com/office/drawing/2014/main" id="{B0A5981D-177B-315A-2F3B-8DC57A470FE5}"/>
               </a:ext>
             </a:extLst>
           </p:cNvPr>
@@ -2715,7 +2715,7 @@
           <a:bodyPr/>
           <a:lstStyle/>
           <a:p>
-            <a:fld id="{AD9223FA-DED4-40E7-900E-1D89EBD64089}" type="slidenum">
+            <a:fld id="{5DB3AF71-083B-487A-BB7F-0DE9AC23BF0F}" type="slidenum">
               <a:rPr lang="zh-CN" altLang="en-US" smtClean="0"/>
               <a:t>‹#›</a:t>
             </a:fld>
@@ -2726,7 +2726,7 @@
     </p:spTree>
     <p:extLst>
       <p:ext uri="{BB962C8B-B14F-4D97-AF65-F5344CB8AC3E}">
-        <p14:creationId xmlns:p14="http://schemas.microsoft.com/office/powerpoint/2010/main" val="2589604136"/>
+        <p14:creationId xmlns:p14="http://schemas.microsoft.com/office/powerpoint/2010/main" val="2240793106"/>
       </p:ext>
     </p:extLst>
   </p:cSld>
@@ -2763,7 +2763,7 @@
           <p:cNvPr id="2" name="标题占位符 1">
             <a:extLst>
               <a:ext uri="{FF2B5EF4-FFF2-40B4-BE49-F238E27FC236}">
-                <a16:creationId xmlns:a16="http://schemas.microsoft.com/office/drawing/2014/main" id="{48623761-A09E-7609-E488-D6FD902102A1}"/>
+                <a16:creationId xmlns:a16="http://schemas.microsoft.com/office/drawing/2014/main" id="{4CDBF54E-F390-3C90-1F89-87AC57166602}"/>
               </a:ext>
             </a:extLst>
           </p:cNvPr>
@@ -2801,7 +2801,7 @@
           <p:cNvPr id="3" name="文本占位符 2">
             <a:extLst>
               <a:ext uri="{FF2B5EF4-FFF2-40B4-BE49-F238E27FC236}">
-                <a16:creationId xmlns:a16="http://schemas.microsoft.com/office/drawing/2014/main" id="{9E4AC3A8-20CB-C867-CC3A-B99FE82A3E38}"/>
+                <a16:creationId xmlns:a16="http://schemas.microsoft.com/office/drawing/2014/main" id="{74C2F45D-1526-2BEF-ABBE-1F3F5EDBF072}"/>
               </a:ext>
             </a:extLst>
           </p:cNvPr>
@@ -2868,7 +2868,7 @@
           <p:cNvPr id="4" name="日期占位符 3">
             <a:extLst>
               <a:ext uri="{FF2B5EF4-FFF2-40B4-BE49-F238E27FC236}">
-                <a16:creationId xmlns:a16="http://schemas.microsoft.com/office/drawing/2014/main" id="{E68E9601-A383-A4EB-CFDA-F51468EE3025}"/>
+                <a16:creationId xmlns:a16="http://schemas.microsoft.com/office/drawing/2014/main" id="{0A8D639F-455E-0C4E-1699-3D33368ACBA6}"/>
               </a:ext>
             </a:extLst>
           </p:cNvPr>
@@ -2902,7 +2902,7 @@
             </a:lvl1pPr>
           </a:lstStyle>
           <a:p>
-            <a:fld id="{0A7383E2-539B-4E83-B63D-D074E822A429}" type="datetimeFigureOut">
+            <a:fld id="{5BF1340C-E761-4E31-A510-9EB425A289B2}" type="datetimeFigureOut">
               <a:rPr lang="zh-CN" altLang="en-US" smtClean="0"/>
               <a:t>2024/3/10</a:t>
             </a:fld>
@@ -2915,7 +2915,7 @@
           <p:cNvPr id="5" name="页脚占位符 4">
             <a:extLst>
               <a:ext uri="{FF2B5EF4-FFF2-40B4-BE49-F238E27FC236}">
-                <a16:creationId xmlns:a16="http://schemas.microsoft.com/office/drawing/2014/main" id="{A68BE58C-C644-B4DF-D237-4BC1B3186110}"/>
+                <a16:creationId xmlns:a16="http://schemas.microsoft.com/office/drawing/2014/main" id="{5C4F5F40-390C-F50F-382B-0A83170E32E1}"/>
               </a:ext>
             </a:extLst>
           </p:cNvPr>
@@ -2958,7 +2958,7 @@
           <p:cNvPr id="6" name="灯片编号占位符 5">
             <a:extLst>
               <a:ext uri="{FF2B5EF4-FFF2-40B4-BE49-F238E27FC236}">
-                <a16:creationId xmlns:a16="http://schemas.microsoft.com/office/drawing/2014/main" id="{FD0BCEA2-4FF1-6047-BE47-1ADDA905BD48}"/>
+                <a16:creationId xmlns:a16="http://schemas.microsoft.com/office/drawing/2014/main" id="{A93B56AF-AD17-53AE-C076-210EC00AFA50}"/>
               </a:ext>
             </a:extLst>
           </p:cNvPr>
@@ -2992,7 +2992,7 @@
             </a:lvl1pPr>
           </a:lstStyle>
           <a:p>
-            <a:fld id="{AD9223FA-DED4-40E7-900E-1D89EBD64089}" type="slidenum">
+            <a:fld id="{5DB3AF71-083B-487A-BB7F-0DE9AC23BF0F}" type="slidenum">
               <a:rPr lang="zh-CN" altLang="en-US" smtClean="0"/>
               <a:t>‹#›</a:t>
             </a:fld>
@@ -3003,7 +3003,7 @@
     </p:spTree>
     <p:extLst>
       <p:ext uri="{BB962C8B-B14F-4D97-AF65-F5344CB8AC3E}">
-        <p14:creationId xmlns:p14="http://schemas.microsoft.com/office/powerpoint/2010/main" val="2087236050"/>
+        <p14:creationId xmlns:p14="http://schemas.microsoft.com/office/powerpoint/2010/main" val="1946507529"/>
       </p:ext>
     </p:extLst>
   </p:cSld>
